--- a/TPs/TP_04_Drone/TP_Cinetique_D2C_Synthese.pptx
+++ b/TPs/TP_04_Drone/TP_Cinetique_D2C_Synthese.pptx
@@ -305,7 +305,7 @@
           <a:p>
             <a:fld id="{AA309A6D-C09C-4548-B29A-6CF363A7E532}" type="datetimeFigureOut">
               <a:rPr lang="fr-FR" smtClean="0"/>
-              <a:t>06/12/2019</a:t>
+              <a:t>03/12/2021</a:t>
             </a:fld>
             <a:endParaRPr lang="fr-BE"/>
           </a:p>
@@ -470,7 +470,7 @@
           <a:p>
             <a:fld id="{AA309A6D-C09C-4548-B29A-6CF363A7E532}" type="datetimeFigureOut">
               <a:rPr lang="fr-FR" smtClean="0"/>
-              <a:t>06/12/2019</a:t>
+              <a:t>03/12/2021</a:t>
             </a:fld>
             <a:endParaRPr lang="fr-BE"/>
           </a:p>
@@ -645,7 +645,7 @@
           <a:p>
             <a:fld id="{AA309A6D-C09C-4548-B29A-6CF363A7E532}" type="datetimeFigureOut">
               <a:rPr lang="fr-FR" smtClean="0"/>
-              <a:t>06/12/2019</a:t>
+              <a:t>03/12/2021</a:t>
             </a:fld>
             <a:endParaRPr lang="fr-BE"/>
           </a:p>
@@ -810,7 +810,7 @@
           <a:p>
             <a:fld id="{AA309A6D-C09C-4548-B29A-6CF363A7E532}" type="datetimeFigureOut">
               <a:rPr lang="fr-FR" smtClean="0"/>
-              <a:t>06/12/2019</a:t>
+              <a:t>03/12/2021</a:t>
             </a:fld>
             <a:endParaRPr lang="fr-BE"/>
           </a:p>
@@ -1051,7 +1051,7 @@
           <a:p>
             <a:fld id="{AA309A6D-C09C-4548-B29A-6CF363A7E532}" type="datetimeFigureOut">
               <a:rPr lang="fr-FR" smtClean="0"/>
-              <a:t>06/12/2019</a:t>
+              <a:t>03/12/2021</a:t>
             </a:fld>
             <a:endParaRPr lang="fr-BE"/>
           </a:p>
@@ -1334,7 +1334,7 @@
           <a:p>
             <a:fld id="{AA309A6D-C09C-4548-B29A-6CF363A7E532}" type="datetimeFigureOut">
               <a:rPr lang="fr-FR" smtClean="0"/>
-              <a:t>06/12/2019</a:t>
+              <a:t>03/12/2021</a:t>
             </a:fld>
             <a:endParaRPr lang="fr-BE"/>
           </a:p>
@@ -1751,7 +1751,7 @@
           <a:p>
             <a:fld id="{AA309A6D-C09C-4548-B29A-6CF363A7E532}" type="datetimeFigureOut">
               <a:rPr lang="fr-FR" smtClean="0"/>
-              <a:t>06/12/2019</a:t>
+              <a:t>03/12/2021</a:t>
             </a:fld>
             <a:endParaRPr lang="fr-BE"/>
           </a:p>
@@ -1864,7 +1864,7 @@
           <a:p>
             <a:fld id="{AA309A6D-C09C-4548-B29A-6CF363A7E532}" type="datetimeFigureOut">
               <a:rPr lang="fr-FR" smtClean="0"/>
-              <a:t>06/12/2019</a:t>
+              <a:t>03/12/2021</a:t>
             </a:fld>
             <a:endParaRPr lang="fr-BE"/>
           </a:p>
@@ -1954,7 +1954,7 @@
           <a:p>
             <a:fld id="{AA309A6D-C09C-4548-B29A-6CF363A7E532}" type="datetimeFigureOut">
               <a:rPr lang="fr-FR" smtClean="0"/>
-              <a:t>06/12/2019</a:t>
+              <a:t>03/12/2021</a:t>
             </a:fld>
             <a:endParaRPr lang="fr-BE"/>
           </a:p>
@@ -2226,7 +2226,7 @@
           <a:p>
             <a:fld id="{AA309A6D-C09C-4548-B29A-6CF363A7E532}" type="datetimeFigureOut">
               <a:rPr lang="fr-FR" smtClean="0"/>
-              <a:t>06/12/2019</a:t>
+              <a:t>03/12/2021</a:t>
             </a:fld>
             <a:endParaRPr lang="fr-BE"/>
           </a:p>
@@ -2474,7 +2474,7 @@
           <a:p>
             <a:fld id="{AA309A6D-C09C-4548-B29A-6CF363A7E532}" type="datetimeFigureOut">
               <a:rPr lang="fr-FR" smtClean="0"/>
-              <a:t>06/12/2019</a:t>
+              <a:t>03/12/2021</a:t>
             </a:fld>
             <a:endParaRPr lang="fr-BE"/>
           </a:p>
@@ -2682,7 +2682,7 @@
           <a:p>
             <a:fld id="{AA309A6D-C09C-4548-B29A-6CF363A7E532}" type="datetimeFigureOut">
               <a:rPr lang="fr-FR" smtClean="0"/>
-              <a:t>06/12/2019</a:t>
+              <a:t>03/12/2021</a:t>
             </a:fld>
             <a:endParaRPr lang="fr-BE"/>
           </a:p>
@@ -4350,12 +4350,12 @@
             <a:lstStyle/>
             <a:p>
               <a:r>
-                <a:rPr lang="fr-FR" i="1" dirty="0"/>
+                <a:rPr lang="fr-FR" i="1" dirty="0" err="1"/>
                 <a:t>J</a:t>
               </a:r>
               <a:r>
-                <a:rPr lang="fr-FR" i="1" baseline="-25000" dirty="0"/>
-                <a:t>SW</a:t>
+                <a:rPr lang="fr-FR" i="1" baseline="-25000" dirty="0" err="1"/>
+                <a:t>Mod</a:t>
               </a:r>
               <a:r>
                 <a:rPr lang="fr-FR" i="1" dirty="0"/>
@@ -5607,16 +5607,407 @@
           </a:p>
         </p:txBody>
       </p:sp>
-      <p:sp>
-        <p:nvSpPr>
-          <p:cNvPr id="40" name="ZoneTexte 39"/>
+      <mc:AlternateContent xmlns:mc="http://schemas.openxmlformats.org/markup-compatibility/2006">
+        <mc:Choice xmlns:a14="http://schemas.microsoft.com/office/drawing/2010/main" Requires="a14">
+          <p:sp>
+            <p:nvSpPr>
+              <p:cNvPr id="40" name="ZoneTexte 39"/>
+              <p:cNvSpPr txBox="1"/>
+              <p:nvPr/>
+            </p:nvSpPr>
+            <p:spPr>
+              <a:xfrm>
+                <a:off x="479851" y="5119604"/>
+                <a:ext cx="3011994" cy="1343125"/>
+              </a:xfrm>
+              <a:prstGeom prst="rect">
+                <a:avLst/>
+              </a:prstGeom>
+              <a:noFill/>
+            </p:spPr>
+            <p:txBody>
+              <a:bodyPr wrap="square" rtlCol="0">
+                <a:spAutoFit/>
+              </a:bodyPr>
+              <a:lstStyle/>
+              <a:p>
+                <a:r>
+                  <a:rPr lang="fr-FR" sz="1600" i="1" dirty="0"/>
+                  <a:t>J</a:t>
+                </a:r>
+                <a:r>
+                  <a:rPr lang="fr-FR" sz="1600" i="1" baseline="-25000" dirty="0" err="1"/>
+                  <a:t>Huyg</a:t>
+                </a:r>
+                <a:r>
+                  <a:rPr lang="fr-FR" sz="1600" i="1" baseline="-25000" dirty="0"/>
+                  <a:t>.</a:t>
+                </a:r>
+                <a:r>
+                  <a:rPr lang="fr-FR" sz="1600" i="1" dirty="0"/>
+                  <a:t> = </a:t>
+                </a:r>
+                <a14:m>
+                  <m:oMath xmlns:m="http://schemas.openxmlformats.org/officeDocument/2006/math">
+                    <m:sSub>
+                      <m:sSubPr>
+                        <m:ctrlPr>
+                          <a:rPr lang="fr-FR" sz="1600" b="0" i="1" smtClean="0">
+                            <a:latin typeface="Cambria Math" panose="02040503050406030204" pitchFamily="18" charset="0"/>
+                          </a:rPr>
+                        </m:ctrlPr>
+                      </m:sSubPr>
+                      <m:e>
+                        <m:r>
+                          <a:rPr lang="fr-FR" sz="1600" b="0" i="1" smtClean="0">
+                            <a:latin typeface="Cambria Math" panose="02040503050406030204" pitchFamily="18" charset="0"/>
+                          </a:rPr>
+                          <m:t>𝐽</m:t>
+                        </m:r>
+                      </m:e>
+                      <m:sub>
+                        <m:r>
+                          <a:rPr lang="fr-FR" sz="1600" b="0" i="1" smtClean="0">
+                            <a:latin typeface="Cambria Math" panose="02040503050406030204" pitchFamily="18" charset="0"/>
+                          </a:rPr>
+                          <m:t>𝐶</m:t>
+                        </m:r>
+                      </m:sub>
+                    </m:sSub>
+                    <m:r>
+                      <a:rPr lang="fr-FR" sz="1600" b="0" i="1" smtClean="0">
+                        <a:latin typeface="Cambria Math" panose="02040503050406030204" pitchFamily="18" charset="0"/>
+                      </a:rPr>
+                      <m:t>+</m:t>
+                    </m:r>
+                    <m:sSub>
+                      <m:sSubPr>
+                        <m:ctrlPr>
+                          <a:rPr lang="fr-FR" sz="1600" b="0" i="1" smtClean="0">
+                            <a:latin typeface="Cambria Math" panose="02040503050406030204" pitchFamily="18" charset="0"/>
+                          </a:rPr>
+                        </m:ctrlPr>
+                      </m:sSubPr>
+                      <m:e>
+                        <m:r>
+                          <a:rPr lang="fr-FR" sz="1600" b="0" i="1" smtClean="0">
+                            <a:latin typeface="Cambria Math" panose="02040503050406030204" pitchFamily="18" charset="0"/>
+                          </a:rPr>
+                          <m:t>𝐽</m:t>
+                        </m:r>
+                      </m:e>
+                      <m:sub>
+                        <m:r>
+                          <a:rPr lang="fr-FR" sz="1600" b="0" i="1" smtClean="0">
+                            <a:latin typeface="Cambria Math" panose="02040503050406030204" pitchFamily="18" charset="0"/>
+                          </a:rPr>
+                          <m:t>𝐵</m:t>
+                        </m:r>
+                      </m:sub>
+                    </m:sSub>
+                    <m:r>
+                      <a:rPr lang="fr-FR" sz="1600" b="0" i="1" smtClean="0">
+                        <a:latin typeface="Cambria Math" panose="02040503050406030204" pitchFamily="18" charset="0"/>
+                      </a:rPr>
+                      <m:t>+2×65×</m:t>
+                    </m:r>
+                    <m:sSup>
+                      <m:sSupPr>
+                        <m:ctrlPr>
+                          <a:rPr lang="fr-FR" sz="1600" b="0" i="1" smtClean="0">
+                            <a:latin typeface="Cambria Math" panose="02040503050406030204" pitchFamily="18" charset="0"/>
+                          </a:rPr>
+                        </m:ctrlPr>
+                      </m:sSupPr>
+                      <m:e>
+                        <m:r>
+                          <a:rPr lang="fr-FR" sz="1600" b="0" i="1" smtClean="0">
+                            <a:latin typeface="Cambria Math" panose="02040503050406030204" pitchFamily="18" charset="0"/>
+                          </a:rPr>
+                          <m:t>140</m:t>
+                        </m:r>
+                      </m:e>
+                      <m:sup>
+                        <m:r>
+                          <a:rPr lang="fr-FR" sz="1600" b="0" i="1" smtClean="0">
+                            <a:latin typeface="Cambria Math" panose="02040503050406030204" pitchFamily="18" charset="0"/>
+                          </a:rPr>
+                          <m:t>2</m:t>
+                        </m:r>
+                      </m:sup>
+                    </m:sSup>
+                    <m:r>
+                      <a:rPr lang="fr-FR" sz="1600" b="0" i="1" smtClean="0">
+                        <a:latin typeface="Cambria Math" panose="02040503050406030204" pitchFamily="18" charset="0"/>
+                      </a:rPr>
+                      <m:t>+2×40</m:t>
+                    </m:r>
+                    <m:d>
+                      <m:dPr>
+                        <m:ctrlPr>
+                          <a:rPr lang="fr-FR" sz="1600" b="0" i="1" smtClean="0">
+                            <a:latin typeface="Cambria Math" panose="02040503050406030204" pitchFamily="18" charset="0"/>
+                          </a:rPr>
+                        </m:ctrlPr>
+                      </m:dPr>
+                      <m:e>
+                        <m:sSup>
+                          <m:sSupPr>
+                            <m:ctrlPr>
+                              <a:rPr lang="fr-FR" sz="1600" b="0" i="1" smtClean="0">
+                                <a:latin typeface="Cambria Math" panose="02040503050406030204" pitchFamily="18" charset="0"/>
+                              </a:rPr>
+                            </m:ctrlPr>
+                          </m:sSupPr>
+                          <m:e>
+                            <m:r>
+                              <a:rPr lang="fr-FR" sz="1600" b="0" i="1" smtClean="0">
+                                <a:latin typeface="Cambria Math" panose="02040503050406030204" pitchFamily="18" charset="0"/>
+                              </a:rPr>
+                              <m:t>140</m:t>
+                            </m:r>
+                          </m:e>
+                          <m:sup>
+                            <m:r>
+                              <a:rPr lang="fr-FR" sz="1600" b="0" i="1" smtClean="0">
+                                <a:latin typeface="Cambria Math" panose="02040503050406030204" pitchFamily="18" charset="0"/>
+                              </a:rPr>
+                              <m:t>2</m:t>
+                            </m:r>
+                          </m:sup>
+                        </m:sSup>
+                        <m:r>
+                          <a:rPr lang="fr-FR" sz="1600" b="0" i="1" smtClean="0">
+                            <a:latin typeface="Cambria Math" panose="02040503050406030204" pitchFamily="18" charset="0"/>
+                          </a:rPr>
+                          <m:t>+</m:t>
+                        </m:r>
+                        <m:sSup>
+                          <m:sSupPr>
+                            <m:ctrlPr>
+                              <a:rPr lang="fr-FR" sz="1600" b="0" i="1" smtClean="0">
+                                <a:latin typeface="Cambria Math" panose="02040503050406030204" pitchFamily="18" charset="0"/>
+                              </a:rPr>
+                            </m:ctrlPr>
+                          </m:sSupPr>
+                          <m:e>
+                            <m:r>
+                              <a:rPr lang="fr-FR" sz="1600" b="0" i="1" smtClean="0">
+                                <a:latin typeface="Cambria Math" panose="02040503050406030204" pitchFamily="18" charset="0"/>
+                              </a:rPr>
+                              <m:t>30</m:t>
+                            </m:r>
+                          </m:e>
+                          <m:sup>
+                            <m:r>
+                              <a:rPr lang="fr-FR" sz="1600" b="0" i="1" smtClean="0">
+                                <a:latin typeface="Cambria Math" panose="02040503050406030204" pitchFamily="18" charset="0"/>
+                              </a:rPr>
+                              <m:t>2</m:t>
+                            </m:r>
+                          </m:sup>
+                        </m:sSup>
+                      </m:e>
+                    </m:d>
+                    <m:r>
+                      <a:rPr lang="fr-FR" sz="1600" i="1">
+                        <a:latin typeface="Cambria Math" panose="02040503050406030204" pitchFamily="18" charset="0"/>
+                      </a:rPr>
+                      <m:t>+2×40</m:t>
+                    </m:r>
+                    <m:d>
+                      <m:dPr>
+                        <m:ctrlPr>
+                          <a:rPr lang="fr-FR" sz="1600" i="1">
+                            <a:latin typeface="Cambria Math" panose="02040503050406030204" pitchFamily="18" charset="0"/>
+                          </a:rPr>
+                        </m:ctrlPr>
+                      </m:dPr>
+                      <m:e>
+                        <m:sSup>
+                          <m:sSupPr>
+                            <m:ctrlPr>
+                              <a:rPr lang="fr-FR" sz="1600" i="1">
+                                <a:latin typeface="Cambria Math" panose="02040503050406030204" pitchFamily="18" charset="0"/>
+                              </a:rPr>
+                            </m:ctrlPr>
+                          </m:sSupPr>
+                          <m:e>
+                            <m:r>
+                              <a:rPr lang="fr-FR" sz="1600" i="1">
+                                <a:latin typeface="Cambria Math" panose="02040503050406030204" pitchFamily="18" charset="0"/>
+                              </a:rPr>
+                              <m:t>10</m:t>
+                            </m:r>
+                            <m:r>
+                              <a:rPr lang="fr-FR" sz="1600" b="0" i="1" smtClean="0">
+                                <a:latin typeface="Cambria Math" panose="02040503050406030204" pitchFamily="18" charset="0"/>
+                              </a:rPr>
+                              <m:t>5</m:t>
+                            </m:r>
+                          </m:e>
+                          <m:sup>
+                            <m:r>
+                              <a:rPr lang="fr-FR" sz="1600" i="1">
+                                <a:latin typeface="Cambria Math" panose="02040503050406030204" pitchFamily="18" charset="0"/>
+                              </a:rPr>
+                              <m:t>2</m:t>
+                            </m:r>
+                          </m:sup>
+                        </m:sSup>
+                        <m:r>
+                          <a:rPr lang="fr-FR" sz="1600" i="1">
+                            <a:latin typeface="Cambria Math" panose="02040503050406030204" pitchFamily="18" charset="0"/>
+                          </a:rPr>
+                          <m:t>+</m:t>
+                        </m:r>
+                        <m:sSup>
+                          <m:sSupPr>
+                            <m:ctrlPr>
+                              <a:rPr lang="fr-FR" sz="1600" i="1">
+                                <a:latin typeface="Cambria Math" panose="02040503050406030204" pitchFamily="18" charset="0"/>
+                              </a:rPr>
+                            </m:ctrlPr>
+                          </m:sSupPr>
+                          <m:e>
+                            <m:r>
+                              <a:rPr lang="fr-FR" sz="1600" b="0" i="1" smtClean="0">
+                                <a:latin typeface="Cambria Math" panose="02040503050406030204" pitchFamily="18" charset="0"/>
+                              </a:rPr>
+                              <m:t>55</m:t>
+                            </m:r>
+                          </m:e>
+                          <m:sup>
+                            <m:r>
+                              <a:rPr lang="fr-FR" sz="1600" i="1">
+                                <a:latin typeface="Cambria Math" panose="02040503050406030204" pitchFamily="18" charset="0"/>
+                              </a:rPr>
+                              <m:t>2</m:t>
+                            </m:r>
+                          </m:sup>
+                        </m:sSup>
+                      </m:e>
+                    </m:d>
+                    <m:r>
+                      <a:rPr lang="fr-FR" sz="1600" b="0" i="1" smtClean="0">
+                        <a:latin typeface="Cambria Math" panose="02040503050406030204" pitchFamily="18" charset="0"/>
+                      </a:rPr>
+                      <m:t>=7,7×</m:t>
+                    </m:r>
+                    <m:sSup>
+                      <m:sSupPr>
+                        <m:ctrlPr>
+                          <a:rPr lang="fr-FR" sz="1600" b="0" i="1" smtClean="0">
+                            <a:latin typeface="Cambria Math" panose="02040503050406030204" pitchFamily="18" charset="0"/>
+                          </a:rPr>
+                        </m:ctrlPr>
+                      </m:sSupPr>
+                      <m:e>
+                        <m:r>
+                          <a:rPr lang="fr-FR" sz="1600" b="0" i="1" smtClean="0">
+                            <a:latin typeface="Cambria Math" panose="02040503050406030204" pitchFamily="18" charset="0"/>
+                          </a:rPr>
+                          <m:t>10</m:t>
+                        </m:r>
+                      </m:e>
+                      <m:sup>
+                        <m:r>
+                          <a:rPr lang="fr-FR" sz="1600" b="0" i="1" smtClean="0">
+                            <a:latin typeface="Cambria Math" panose="02040503050406030204" pitchFamily="18" charset="0"/>
+                          </a:rPr>
+                          <m:t>−3</m:t>
+                        </m:r>
+                      </m:sup>
+                    </m:sSup>
+                    <m:r>
+                      <m:rPr>
+                        <m:sty m:val="p"/>
+                      </m:rPr>
+                      <a:rPr lang="fr-FR" sz="1600" b="0" i="0" smtClean="0">
+                        <a:latin typeface="Cambria Math" panose="02040503050406030204" pitchFamily="18" charset="0"/>
+                      </a:rPr>
+                      <m:t>kg</m:t>
+                    </m:r>
+                    <m:r>
+                      <a:rPr lang="fr-FR" sz="1600" b="0" i="0" smtClean="0">
+                        <a:latin typeface="Cambria Math" panose="02040503050406030204" pitchFamily="18" charset="0"/>
+                      </a:rPr>
+                      <m:t>.</m:t>
+                    </m:r>
+                    <m:r>
+                      <m:rPr>
+                        <m:sty m:val="p"/>
+                      </m:rPr>
+                      <a:rPr lang="fr-FR" sz="1600" b="0" i="0" smtClean="0">
+                        <a:latin typeface="Cambria Math" panose="02040503050406030204" pitchFamily="18" charset="0"/>
+                      </a:rPr>
+                      <m:t>m</m:t>
+                    </m:r>
+                    <m:r>
+                      <a:rPr lang="fr-FR" sz="1600" b="0" i="0" smtClean="0">
+                        <a:latin typeface="Cambria Math" panose="02040503050406030204" pitchFamily="18" charset="0"/>
+                      </a:rPr>
+                      <m:t>²</m:t>
+                    </m:r>
+                  </m:oMath>
+                </a14:m>
+                <a:endParaRPr lang="fr-FR" sz="1600" dirty="0"/>
+              </a:p>
+              <a:p>
+                <a:endParaRPr lang="fr-FR" sz="1600" i="1" dirty="0"/>
+              </a:p>
+            </p:txBody>
+          </p:sp>
+        </mc:Choice>
+        <mc:Fallback>
+          <p:sp>
+            <p:nvSpPr>
+              <p:cNvPr id="40" name="ZoneTexte 39"/>
+              <p:cNvSpPr txBox="1">
+                <a:spLocks noRot="1" noChangeAspect="1" noMove="1" noResize="1" noEditPoints="1" noAdjustHandles="1" noChangeArrowheads="1" noChangeShapeType="1" noTextEdit="1"/>
+              </p:cNvSpPr>
+              <p:nvPr/>
+            </p:nvSpPr>
+            <p:spPr>
+              <a:xfrm>
+                <a:off x="479851" y="5119604"/>
+                <a:ext cx="3011994" cy="1343125"/>
+              </a:xfrm>
+              <a:prstGeom prst="rect">
+                <a:avLst/>
+              </a:prstGeom>
+              <a:blipFill>
+                <a:blip r:embed="rId3"/>
+                <a:stretch>
+                  <a:fillRect l="-1215" t="-1364"/>
+                </a:stretch>
+              </a:blipFill>
+            </p:spPr>
+            <p:txBody>
+              <a:bodyPr/>
+              <a:lstStyle/>
+              <a:p>
+                <a:r>
+                  <a:rPr lang="fr-FR">
+                    <a:noFill/>
+                  </a:rPr>
+                  <a:t> </a:t>
+                </a:r>
+              </a:p>
+            </p:txBody>
+          </p:sp>
+        </mc:Fallback>
+      </mc:AlternateContent>
+      <p:sp>
+        <p:nvSpPr>
+          <p:cNvPr id="42" name="ZoneTexte 41"/>
           <p:cNvSpPr txBox="1"/>
           <p:nvPr/>
         </p:nvSpPr>
         <p:spPr>
           <a:xfrm>
-            <a:off x="479851" y="5119604"/>
-            <a:ext cx="1935832" cy="400110"/>
+            <a:off x="479851" y="6093296"/>
+            <a:ext cx="3068817" cy="400110"/>
           </a:xfrm>
           <a:prstGeom prst="rect">
             <a:avLst/>
@@ -5635,48 +6026,27 @@
             </a:r>
             <a:r>
               <a:rPr lang="fr-FR" sz="2000" i="1" baseline="-25000" dirty="0" err="1"/>
-              <a:t>Huygens</a:t>
+              <a:t>SolidWorks</a:t>
             </a:r>
             <a:r>
               <a:rPr lang="fr-FR" sz="2000" i="1" dirty="0"/>
-              <a:t> = </a:t>
-            </a:r>
-          </a:p>
-        </p:txBody>
-      </p:sp>
-      <p:sp>
-        <p:nvSpPr>
-          <p:cNvPr id="42" name="ZoneTexte 41"/>
-          <p:cNvSpPr txBox="1"/>
-          <p:nvPr/>
-        </p:nvSpPr>
-        <p:spPr>
-          <a:xfrm>
-            <a:off x="479851" y="6093296"/>
-            <a:ext cx="2015423" cy="400110"/>
-          </a:xfrm>
-          <a:prstGeom prst="rect">
-            <a:avLst/>
-          </a:prstGeom>
-          <a:noFill/>
-        </p:spPr>
-        <p:txBody>
-          <a:bodyPr wrap="square" rtlCol="0">
-            <a:spAutoFit/>
-          </a:bodyPr>
-          <a:lstStyle/>
-          <a:p>
-            <a:r>
-              <a:rPr lang="fr-FR" sz="2000" i="1" dirty="0" err="1"/>
-              <a:t>J</a:t>
-            </a:r>
-            <a:r>
-              <a:rPr lang="fr-FR" sz="2000" i="1" baseline="-25000" dirty="0" err="1"/>
-              <a:t>SolidWorks</a:t>
+              <a:t> = 10,6x10</a:t>
+            </a:r>
+            <a:r>
+              <a:rPr lang="fr-FR" sz="2000" i="1" baseline="30000" dirty="0"/>
+              <a:t>-3</a:t>
             </a:r>
             <a:r>
               <a:rPr lang="fr-FR" sz="2000" i="1" dirty="0"/>
-              <a:t> = </a:t>
+              <a:t> </a:t>
+            </a:r>
+            <a:r>
+              <a:rPr lang="fr-FR" sz="2000" dirty="0"/>
+              <a:t>kgm</a:t>
+            </a:r>
+            <a:r>
+              <a:rPr lang="fr-FR" sz="2000" baseline="30000" dirty="0"/>
+              <a:t>2</a:t>
             </a:r>
           </a:p>
         </p:txBody>
@@ -5739,7 +6109,7 @@
         <p:spPr>
           <a:xfrm>
             <a:off x="3943650" y="5032865"/>
-            <a:ext cx="2880320" cy="246221"/>
+            <a:ext cx="2880320" cy="1169551"/>
           </a:xfrm>
           <a:prstGeom prst="rect">
             <a:avLst/>
@@ -5758,6 +6128,15 @@
               <a:t>Origines des écarts entre les deux inerties calculées</a:t>
             </a:r>
           </a:p>
+          <a:p>
+            <a:endParaRPr lang="fr-FR" sz="1000" i="1" dirty="0"/>
+          </a:p>
+          <a:p>
+            <a:r>
+              <a:rPr lang="fr-FR" sz="1000" dirty="0"/>
+              <a:t>En utilisant le modèle de masses ponctuelles, on sous-estime les moments d’inertie dus aux différents éléments. De plus, lors de ce choix, tous les constituants du balancier ne sont pas pris en compte.</a:t>
+            </a:r>
+          </a:p>
         </p:txBody>
       </p:sp>
       <p:sp>
@@ -5784,8 +6163,29 @@
           <a:p>
             <a:r>
               <a:rPr lang="fr-FR" sz="1000" i="1" dirty="0"/>
-              <a:t>Inertie retenue :</a:t>
-            </a:r>
+              <a:t>Inertie retenue : </a:t>
+            </a:r>
+            <a:r>
+              <a:rPr lang="fr-FR" sz="1000" i="1" dirty="0" err="1"/>
+              <a:t>J</a:t>
+            </a:r>
+            <a:r>
+              <a:rPr lang="fr-FR" sz="1000" i="1" baseline="-25000" dirty="0" err="1"/>
+              <a:t>Mod</a:t>
+            </a:r>
+            <a:r>
+              <a:rPr lang="fr-FR" sz="1000" i="1" dirty="0"/>
+              <a:t> = </a:t>
+            </a:r>
+            <a:r>
+              <a:rPr lang="fr-FR" sz="1000" i="1" dirty="0" err="1"/>
+              <a:t>J</a:t>
+            </a:r>
+            <a:r>
+              <a:rPr lang="fr-FR" sz="1000" i="1" baseline="-25000" dirty="0" err="1"/>
+              <a:t>SW</a:t>
+            </a:r>
+            <a:endParaRPr lang="fr-FR" sz="1000" i="1" baseline="-25000" dirty="0"/>
           </a:p>
         </p:txBody>
       </p:sp>
@@ -5858,8 +6258,8 @@
           </p:nvSpPr>
           <p:spPr>
             <a:xfrm rot="16200000">
-              <a:off x="6253614" y="1444137"/>
-              <a:ext cx="2160241" cy="369332"/>
+              <a:off x="6253614" y="1490303"/>
+              <a:ext cx="2160241" cy="276999"/>
             </a:xfrm>
             <a:prstGeom prst="rect">
               <a:avLst/>
@@ -5873,16 +6273,28 @@
             <a:lstStyle/>
             <a:p>
               <a:r>
-                <a:rPr lang="fr-FR" i="1" dirty="0"/>
+                <a:rPr lang="fr-FR" sz="1200" i="1" dirty="0" err="1"/>
                 <a:t>J</a:t>
               </a:r>
               <a:r>
-                <a:rPr lang="fr-FR" i="1" baseline="-25000" dirty="0"/>
-                <a:t>SW</a:t>
+                <a:rPr lang="fr-FR" sz="1200" i="1" baseline="-25000" dirty="0" err="1"/>
+                <a:t>Mod</a:t>
               </a:r>
               <a:r>
-                <a:rPr lang="fr-FR" i="1" dirty="0"/>
-                <a:t> = </a:t>
+                <a:rPr lang="fr-FR" sz="1200" i="1" dirty="0"/>
+                <a:t> = 10,6 10</a:t>
+              </a:r>
+              <a:r>
+                <a:rPr lang="fr-FR" sz="1200" i="1" baseline="30000" dirty="0"/>
+                <a:t>-3</a:t>
+              </a:r>
+              <a:r>
+                <a:rPr lang="fr-FR" sz="1200" i="1" dirty="0"/>
+                <a:t> kgm</a:t>
+              </a:r>
+              <a:r>
+                <a:rPr lang="fr-FR" sz="1200" i="1" baseline="30000" dirty="0"/>
+                <a:t>2</a:t>
               </a:r>
             </a:p>
           </p:txBody>
@@ -6119,7 +6531,7 @@
           <p:nvPr/>
         </p:nvPicPr>
         <p:blipFill>
-          <a:blip r:embed="rId3" cstate="print">
+          <a:blip r:embed="rId4" cstate="print">
             <a:extLst>
               <a:ext uri="{28A0092B-C50C-407E-A947-70E740481C1C}">
                 <a14:useLocalDpi xmlns:a14="http://schemas.microsoft.com/office/drawing/2010/main" val="0"/>
@@ -6133,7 +6545,7 @@
         </p:blipFill>
         <p:spPr bwMode="auto">
           <a:xfrm>
-            <a:off x="4226591" y="781799"/>
+            <a:off x="4419757" y="776570"/>
             <a:ext cx="1608854" cy="1405968"/>
           </a:xfrm>
           <a:prstGeom prst="rect">
@@ -6173,7 +6585,7 @@
           <p:nvPr/>
         </p:nvPicPr>
         <p:blipFill>
-          <a:blip r:embed="rId4" cstate="print">
+          <a:blip r:embed="rId5" cstate="print">
             <a:extLst>
               <a:ext uri="{28A0092B-C50C-407E-A947-70E740481C1C}">
                 <a14:useLocalDpi xmlns:a14="http://schemas.microsoft.com/office/drawing/2010/main" val="0"/>
@@ -6214,7 +6626,7 @@
           <p:nvPr/>
         </p:nvPicPr>
         <p:blipFill rotWithShape="1">
-          <a:blip r:embed="rId5" cstate="print">
+          <a:blip r:embed="rId6" cstate="print">
             <a:extLst>
               <a:ext uri="{28A0092B-C50C-407E-A947-70E740481C1C}">
                 <a14:useLocalDpi xmlns:a14="http://schemas.microsoft.com/office/drawing/2010/main" val="0"/>
@@ -6226,8 +6638,8 @@
         </p:blipFill>
         <p:spPr bwMode="auto">
           <a:xfrm>
-            <a:off x="1784648" y="577423"/>
-            <a:ext cx="1628924" cy="1885617"/>
+            <a:off x="1693858" y="577423"/>
+            <a:ext cx="1719714" cy="1990714"/>
           </a:xfrm>
           <a:prstGeom prst="rect">
             <a:avLst/>
@@ -6302,7 +6714,7 @@
           <p:nvPr/>
         </p:nvPicPr>
         <p:blipFill>
-          <a:blip r:embed="rId6" cstate="print">
+          <a:blip r:embed="rId7" cstate="print">
             <a:extLst>
               <a:ext uri="{28A0092B-C50C-407E-A947-70E740481C1C}">
                 <a14:useLocalDpi xmlns:a14="http://schemas.microsoft.com/office/drawing/2010/main" val="0"/>
@@ -6316,8 +6728,8 @@
         </p:blipFill>
         <p:spPr bwMode="auto">
           <a:xfrm>
-            <a:off x="4900328" y="3141593"/>
-            <a:ext cx="986208" cy="848306"/>
+            <a:off x="4900328" y="3141592"/>
+            <a:ext cx="1420824" cy="1222149"/>
           </a:xfrm>
           <a:prstGeom prst="rect">
             <a:avLst/>
